--- a/lectures/17.facade/facade.pptx
+++ b/lectures/17.facade/facade.pptx
@@ -219,7 +219,7 @@
           <a:p>
             <a:fld id="{2F3DCB6D-0B48-4A3D-B663-06C3F903A9D3}" type="datetimeFigureOut">
               <a:rPr lang="ru-RU" smtClean="0"/>
-              <a:t>13.07.2016</a:t>
+              <a:t>06.05.2019</a:t>
             </a:fld>
             <a:endParaRPr lang="ru-RU"/>
           </a:p>
@@ -816,7 +816,7 @@
           <a:p>
             <a:fld id="{2590F9C9-AB92-4E86-B698-DEC9BF4350FF}" type="datetimeFigureOut">
               <a:rPr lang="ru-RU" smtClean="0"/>
-              <a:t>13.07.2016</a:t>
+              <a:t>06.05.2019</a:t>
             </a:fld>
             <a:endParaRPr lang="ru-RU"/>
           </a:p>
@@ -1033,7 +1033,7 @@
           <a:p>
             <a:fld id="{2590F9C9-AB92-4E86-B698-DEC9BF4350FF}" type="datetimeFigureOut">
               <a:rPr lang="ru-RU" smtClean="0"/>
-              <a:t>13.07.2016</a:t>
+              <a:t>06.05.2019</a:t>
             </a:fld>
             <a:endParaRPr lang="ru-RU"/>
           </a:p>
@@ -1305,7 +1305,7 @@
           <a:p>
             <a:fld id="{2590F9C9-AB92-4E86-B698-DEC9BF4350FF}" type="datetimeFigureOut">
               <a:rPr lang="ru-RU" smtClean="0"/>
-              <a:t>13.07.2016</a:t>
+              <a:t>06.05.2019</a:t>
             </a:fld>
             <a:endParaRPr lang="ru-RU"/>
           </a:p>
@@ -1480,7 +1480,7 @@
           <a:p>
             <a:fld id="{2590F9C9-AB92-4E86-B698-DEC9BF4350FF}" type="datetimeFigureOut">
               <a:rPr lang="ru-RU" smtClean="0"/>
-              <a:t>13.07.2016</a:t>
+              <a:t>06.05.2019</a:t>
             </a:fld>
             <a:endParaRPr lang="ru-RU"/>
           </a:p>
@@ -1834,7 +1834,7 @@
           <a:p>
             <a:fld id="{2590F9C9-AB92-4E86-B698-DEC9BF4350FF}" type="datetimeFigureOut">
               <a:rPr lang="ru-RU" smtClean="0"/>
-              <a:t>13.07.2016</a:t>
+              <a:t>06.05.2019</a:t>
             </a:fld>
             <a:endParaRPr lang="ru-RU"/>
           </a:p>
@@ -2119,7 +2119,7 @@
           <a:p>
             <a:fld id="{2590F9C9-AB92-4E86-B698-DEC9BF4350FF}" type="datetimeFigureOut">
               <a:rPr lang="ru-RU" smtClean="0"/>
-              <a:t>13.07.2016</a:t>
+              <a:t>06.05.2019</a:t>
             </a:fld>
             <a:endParaRPr lang="ru-RU"/>
           </a:p>
@@ -2541,7 +2541,7 @@
           <a:p>
             <a:fld id="{2590F9C9-AB92-4E86-B698-DEC9BF4350FF}" type="datetimeFigureOut">
               <a:rPr lang="ru-RU" smtClean="0"/>
-              <a:t>13.07.2016</a:t>
+              <a:t>06.05.2019</a:t>
             </a:fld>
             <a:endParaRPr lang="ru-RU"/>
           </a:p>
@@ -2654,7 +2654,7 @@
           <a:p>
             <a:fld id="{2590F9C9-AB92-4E86-B698-DEC9BF4350FF}" type="datetimeFigureOut">
               <a:rPr lang="ru-RU" smtClean="0"/>
-              <a:t>13.07.2016</a:t>
+              <a:t>06.05.2019</a:t>
             </a:fld>
             <a:endParaRPr lang="ru-RU"/>
           </a:p>
@@ -2744,7 +2744,7 @@
           <a:p>
             <a:fld id="{2590F9C9-AB92-4E86-B698-DEC9BF4350FF}" type="datetimeFigureOut">
               <a:rPr lang="ru-RU" smtClean="0"/>
-              <a:t>13.07.2016</a:t>
+              <a:t>06.05.2019</a:t>
             </a:fld>
             <a:endParaRPr lang="ru-RU"/>
           </a:p>
@@ -3022,7 +3022,7 @@
           <a:p>
             <a:fld id="{2590F9C9-AB92-4E86-B698-DEC9BF4350FF}" type="datetimeFigureOut">
               <a:rPr lang="ru-RU" smtClean="0"/>
-              <a:t>13.07.2016</a:t>
+              <a:t>06.05.2019</a:t>
             </a:fld>
             <a:endParaRPr lang="ru-RU"/>
           </a:p>
@@ -3384,7 +3384,7 @@
           <a:p>
             <a:fld id="{2590F9C9-AB92-4E86-B698-DEC9BF4350FF}" type="datetimeFigureOut">
               <a:rPr lang="ru-RU" smtClean="0"/>
-              <a:t>13.07.2016</a:t>
+              <a:t>06.05.2019</a:t>
             </a:fld>
             <a:endParaRPr lang="ru-RU"/>
           </a:p>
@@ -3809,7 +3809,7 @@
           <a:p>
             <a:fld id="{2590F9C9-AB92-4E86-B698-DEC9BF4350FF}" type="datetimeFigureOut">
               <a:rPr lang="ru-RU" smtClean="0"/>
-              <a:t>13.07.2016</a:t>
+              <a:t>06.05.2019</a:t>
             </a:fld>
             <a:endParaRPr lang="ru-RU"/>
           </a:p>
@@ -4271,6 +4271,13 @@
   <p:clrMapOvr>
     <a:masterClrMapping/>
   </p:clrMapOvr>
+  <p:timing>
+    <p:tnLst>
+      <p:par>
+        <p:cTn id="1" dur="indefinite" restart="never" nodeType="tmRoot"/>
+      </p:par>
+    </p:tnLst>
+  </p:timing>
 </p:sld>
 </file>
 
@@ -4325,6 +4332,13 @@
   <p:clrMapOvr>
     <a:masterClrMapping/>
   </p:clrMapOvr>
+  <p:timing>
+    <p:tnLst>
+      <p:par>
+        <p:cTn id="1" dur="indefinite" restart="never" nodeType="tmRoot"/>
+      </p:par>
+    </p:tnLst>
+  </p:timing>
 </p:sld>
 </file>
 
@@ -4416,80 +4430,75 @@
           <a:p>
             <a:r>
               <a:rPr lang="ru-RU" dirty="0"/>
-              <a:t>Связать вход проектора с </a:t>
-            </a:r>
-            <a:r>
-              <a:rPr lang="ru-RU"/>
-              <a:t>выходом </a:t>
-            </a:r>
-            <a:r>
-              <a:rPr lang="en-US"/>
+              <a:t>Связать вход проектора с выходом </a:t>
+            </a:r>
+            <a:r>
+              <a:rPr lang="en-US" dirty="0"/>
               <a:t>DVD</a:t>
             </a:r>
-            <a:endParaRPr lang="ru-RU"/>
-          </a:p>
-          <a:p>
-            <a:r>
-              <a:rPr lang="ru-RU"/>
+            <a:endParaRPr lang="ru-RU" dirty="0"/>
+          </a:p>
+          <a:p>
+            <a:r>
+              <a:rPr lang="ru-RU" dirty="0"/>
               <a:t>Включить полноэкранный режим на проекторе</a:t>
             </a:r>
           </a:p>
           <a:p>
             <a:r>
-              <a:rPr lang="ru-RU"/>
+              <a:rPr lang="ru-RU" dirty="0"/>
               <a:t>Включить усилитель</a:t>
             </a:r>
           </a:p>
           <a:p>
             <a:r>
-              <a:rPr lang="ru-RU"/>
+              <a:rPr lang="ru-RU" dirty="0"/>
               <a:t>Связать вход усилителя с выходом </a:t>
             </a:r>
             <a:r>
-              <a:rPr lang="en-US"/>
+              <a:rPr lang="en-US" dirty="0"/>
               <a:t>DVD</a:t>
             </a:r>
           </a:p>
           <a:p>
             <a:r>
-              <a:rPr lang="ru-RU"/>
+              <a:rPr lang="ru-RU" dirty="0"/>
               <a:t>Включить на усилителе режим «звук вокруг»</a:t>
             </a:r>
           </a:p>
           <a:p>
             <a:r>
-              <a:rPr lang="ru-RU"/>
+              <a:rPr lang="ru-RU" dirty="0"/>
               <a:t>Установить на усилителе среднюю громкость</a:t>
             </a:r>
           </a:p>
           <a:p>
             <a:r>
-              <a:rPr lang="ru-RU"/>
+              <a:rPr lang="ru-RU" dirty="0"/>
               <a:t>Включить </a:t>
             </a:r>
             <a:r>
-              <a:rPr lang="en-US"/>
+              <a:rPr lang="en-US" dirty="0"/>
               <a:t>DVD</a:t>
             </a:r>
             <a:r>
-              <a:rPr lang="ru-RU"/>
+              <a:rPr lang="ru-RU" dirty="0"/>
               <a:t>-проигрыватель</a:t>
             </a:r>
           </a:p>
           <a:p>
             <a:r>
-              <a:rPr lang="ru-RU"/>
+              <a:rPr lang="ru-RU" dirty="0"/>
               <a:t>Включить воспроизведение на </a:t>
             </a:r>
             <a:r>
-              <a:rPr lang="en-US"/>
+              <a:rPr lang="en-US" dirty="0"/>
               <a:t>DVD-</a:t>
             </a:r>
             <a:r>
-              <a:rPr lang="ru-RU"/>
+              <a:rPr lang="ru-RU" dirty="0"/>
               <a:t>проигрывателе</a:t>
             </a:r>
-            <a:endParaRPr lang="ru-RU" dirty="0"/>
           </a:p>
         </p:txBody>
       </p:sp>
@@ -4503,6 +4512,832 @@
   <p:clrMapOvr>
     <a:masterClrMapping/>
   </p:clrMapOvr>
+  <p:timing>
+    <p:tnLst>
+      <p:par>
+        <p:cTn id="1" dur="indefinite" restart="never" nodeType="tmRoot">
+          <p:childTnLst>
+            <p:seq concurrent="1" nextAc="seek">
+              <p:cTn id="2" dur="indefinite" nodeType="mainSeq">
+                <p:childTnLst>
+                  <p:par>
+                    <p:cTn id="3" fill="hold">
+                      <p:stCondLst>
+                        <p:cond delay="indefinite"/>
+                      </p:stCondLst>
+                      <p:childTnLst>
+                        <p:par>
+                          <p:cTn id="4" fill="hold">
+                            <p:stCondLst>
+                              <p:cond delay="0"/>
+                            </p:stCondLst>
+                            <p:childTnLst>
+                              <p:par>
+                                <p:cTn id="5" presetID="10" presetClass="entr" presetSubtype="0" fill="hold" grpId="0" nodeType="clickEffect">
+                                  <p:stCondLst>
+                                    <p:cond delay="0"/>
+                                  </p:stCondLst>
+                                  <p:childTnLst>
+                                    <p:set>
+                                      <p:cBhvr>
+                                        <p:cTn id="6" dur="1" fill="hold">
+                                          <p:stCondLst>
+                                            <p:cond delay="0"/>
+                                          </p:stCondLst>
+                                        </p:cTn>
+                                        <p:tgtEl>
+                                          <p:spTgt spid="3">
+                                            <p:txEl>
+                                              <p:pRg st="0" end="0"/>
+                                            </p:txEl>
+                                          </p:spTgt>
+                                        </p:tgtEl>
+                                        <p:attrNameLst>
+                                          <p:attrName>style.visibility</p:attrName>
+                                        </p:attrNameLst>
+                                      </p:cBhvr>
+                                      <p:to>
+                                        <p:strVal val="visible"/>
+                                      </p:to>
+                                    </p:set>
+                                    <p:animEffect transition="in" filter="fade">
+                                      <p:cBhvr>
+                                        <p:cTn id="7" dur="500"/>
+                                        <p:tgtEl>
+                                          <p:spTgt spid="3">
+                                            <p:txEl>
+                                              <p:pRg st="0" end="0"/>
+                                            </p:txEl>
+                                          </p:spTgt>
+                                        </p:tgtEl>
+                                      </p:cBhvr>
+                                    </p:animEffect>
+                                  </p:childTnLst>
+                                </p:cTn>
+                              </p:par>
+                            </p:childTnLst>
+                          </p:cTn>
+                        </p:par>
+                      </p:childTnLst>
+                    </p:cTn>
+                  </p:par>
+                  <p:par>
+                    <p:cTn id="8" fill="hold">
+                      <p:stCondLst>
+                        <p:cond delay="indefinite"/>
+                      </p:stCondLst>
+                      <p:childTnLst>
+                        <p:par>
+                          <p:cTn id="9" fill="hold">
+                            <p:stCondLst>
+                              <p:cond delay="0"/>
+                            </p:stCondLst>
+                            <p:childTnLst>
+                              <p:par>
+                                <p:cTn id="10" presetID="10" presetClass="entr" presetSubtype="0" fill="hold" grpId="0" nodeType="clickEffect">
+                                  <p:stCondLst>
+                                    <p:cond delay="0"/>
+                                  </p:stCondLst>
+                                  <p:childTnLst>
+                                    <p:set>
+                                      <p:cBhvr>
+                                        <p:cTn id="11" dur="1" fill="hold">
+                                          <p:stCondLst>
+                                            <p:cond delay="0"/>
+                                          </p:stCondLst>
+                                        </p:cTn>
+                                        <p:tgtEl>
+                                          <p:spTgt spid="3">
+                                            <p:txEl>
+                                              <p:pRg st="1" end="1"/>
+                                            </p:txEl>
+                                          </p:spTgt>
+                                        </p:tgtEl>
+                                        <p:attrNameLst>
+                                          <p:attrName>style.visibility</p:attrName>
+                                        </p:attrNameLst>
+                                      </p:cBhvr>
+                                      <p:to>
+                                        <p:strVal val="visible"/>
+                                      </p:to>
+                                    </p:set>
+                                    <p:animEffect transition="in" filter="fade">
+                                      <p:cBhvr>
+                                        <p:cTn id="12" dur="500"/>
+                                        <p:tgtEl>
+                                          <p:spTgt spid="3">
+                                            <p:txEl>
+                                              <p:pRg st="1" end="1"/>
+                                            </p:txEl>
+                                          </p:spTgt>
+                                        </p:tgtEl>
+                                      </p:cBhvr>
+                                    </p:animEffect>
+                                  </p:childTnLst>
+                                </p:cTn>
+                              </p:par>
+                            </p:childTnLst>
+                          </p:cTn>
+                        </p:par>
+                      </p:childTnLst>
+                    </p:cTn>
+                  </p:par>
+                  <p:par>
+                    <p:cTn id="13" fill="hold">
+                      <p:stCondLst>
+                        <p:cond delay="indefinite"/>
+                      </p:stCondLst>
+                      <p:childTnLst>
+                        <p:par>
+                          <p:cTn id="14" fill="hold">
+                            <p:stCondLst>
+                              <p:cond delay="0"/>
+                            </p:stCondLst>
+                            <p:childTnLst>
+                              <p:par>
+                                <p:cTn id="15" presetID="10" presetClass="entr" presetSubtype="0" fill="hold" grpId="0" nodeType="clickEffect">
+                                  <p:stCondLst>
+                                    <p:cond delay="0"/>
+                                  </p:stCondLst>
+                                  <p:childTnLst>
+                                    <p:set>
+                                      <p:cBhvr>
+                                        <p:cTn id="16" dur="1" fill="hold">
+                                          <p:stCondLst>
+                                            <p:cond delay="0"/>
+                                          </p:stCondLst>
+                                        </p:cTn>
+                                        <p:tgtEl>
+                                          <p:spTgt spid="3">
+                                            <p:txEl>
+                                              <p:pRg st="2" end="2"/>
+                                            </p:txEl>
+                                          </p:spTgt>
+                                        </p:tgtEl>
+                                        <p:attrNameLst>
+                                          <p:attrName>style.visibility</p:attrName>
+                                        </p:attrNameLst>
+                                      </p:cBhvr>
+                                      <p:to>
+                                        <p:strVal val="visible"/>
+                                      </p:to>
+                                    </p:set>
+                                    <p:animEffect transition="in" filter="fade">
+                                      <p:cBhvr>
+                                        <p:cTn id="17" dur="500"/>
+                                        <p:tgtEl>
+                                          <p:spTgt spid="3">
+                                            <p:txEl>
+                                              <p:pRg st="2" end="2"/>
+                                            </p:txEl>
+                                          </p:spTgt>
+                                        </p:tgtEl>
+                                      </p:cBhvr>
+                                    </p:animEffect>
+                                  </p:childTnLst>
+                                </p:cTn>
+                              </p:par>
+                            </p:childTnLst>
+                          </p:cTn>
+                        </p:par>
+                      </p:childTnLst>
+                    </p:cTn>
+                  </p:par>
+                  <p:par>
+                    <p:cTn id="18" fill="hold">
+                      <p:stCondLst>
+                        <p:cond delay="indefinite"/>
+                      </p:stCondLst>
+                      <p:childTnLst>
+                        <p:par>
+                          <p:cTn id="19" fill="hold">
+                            <p:stCondLst>
+                              <p:cond delay="0"/>
+                            </p:stCondLst>
+                            <p:childTnLst>
+                              <p:par>
+                                <p:cTn id="20" presetID="10" presetClass="entr" presetSubtype="0" fill="hold" grpId="0" nodeType="clickEffect">
+                                  <p:stCondLst>
+                                    <p:cond delay="0"/>
+                                  </p:stCondLst>
+                                  <p:childTnLst>
+                                    <p:set>
+                                      <p:cBhvr>
+                                        <p:cTn id="21" dur="1" fill="hold">
+                                          <p:stCondLst>
+                                            <p:cond delay="0"/>
+                                          </p:stCondLst>
+                                        </p:cTn>
+                                        <p:tgtEl>
+                                          <p:spTgt spid="3">
+                                            <p:txEl>
+                                              <p:pRg st="3" end="3"/>
+                                            </p:txEl>
+                                          </p:spTgt>
+                                        </p:tgtEl>
+                                        <p:attrNameLst>
+                                          <p:attrName>style.visibility</p:attrName>
+                                        </p:attrNameLst>
+                                      </p:cBhvr>
+                                      <p:to>
+                                        <p:strVal val="visible"/>
+                                      </p:to>
+                                    </p:set>
+                                    <p:animEffect transition="in" filter="fade">
+                                      <p:cBhvr>
+                                        <p:cTn id="22" dur="500"/>
+                                        <p:tgtEl>
+                                          <p:spTgt spid="3">
+                                            <p:txEl>
+                                              <p:pRg st="3" end="3"/>
+                                            </p:txEl>
+                                          </p:spTgt>
+                                        </p:tgtEl>
+                                      </p:cBhvr>
+                                    </p:animEffect>
+                                  </p:childTnLst>
+                                </p:cTn>
+                              </p:par>
+                            </p:childTnLst>
+                          </p:cTn>
+                        </p:par>
+                      </p:childTnLst>
+                    </p:cTn>
+                  </p:par>
+                  <p:par>
+                    <p:cTn id="23" fill="hold">
+                      <p:stCondLst>
+                        <p:cond delay="indefinite"/>
+                      </p:stCondLst>
+                      <p:childTnLst>
+                        <p:par>
+                          <p:cTn id="24" fill="hold">
+                            <p:stCondLst>
+                              <p:cond delay="0"/>
+                            </p:stCondLst>
+                            <p:childTnLst>
+                              <p:par>
+                                <p:cTn id="25" presetID="10" presetClass="entr" presetSubtype="0" fill="hold" grpId="0" nodeType="clickEffect">
+                                  <p:stCondLst>
+                                    <p:cond delay="0"/>
+                                  </p:stCondLst>
+                                  <p:childTnLst>
+                                    <p:set>
+                                      <p:cBhvr>
+                                        <p:cTn id="26" dur="1" fill="hold">
+                                          <p:stCondLst>
+                                            <p:cond delay="0"/>
+                                          </p:stCondLst>
+                                        </p:cTn>
+                                        <p:tgtEl>
+                                          <p:spTgt spid="3">
+                                            <p:txEl>
+                                              <p:pRg st="4" end="4"/>
+                                            </p:txEl>
+                                          </p:spTgt>
+                                        </p:tgtEl>
+                                        <p:attrNameLst>
+                                          <p:attrName>style.visibility</p:attrName>
+                                        </p:attrNameLst>
+                                      </p:cBhvr>
+                                      <p:to>
+                                        <p:strVal val="visible"/>
+                                      </p:to>
+                                    </p:set>
+                                    <p:animEffect transition="in" filter="fade">
+                                      <p:cBhvr>
+                                        <p:cTn id="27" dur="500"/>
+                                        <p:tgtEl>
+                                          <p:spTgt spid="3">
+                                            <p:txEl>
+                                              <p:pRg st="4" end="4"/>
+                                            </p:txEl>
+                                          </p:spTgt>
+                                        </p:tgtEl>
+                                      </p:cBhvr>
+                                    </p:animEffect>
+                                  </p:childTnLst>
+                                </p:cTn>
+                              </p:par>
+                            </p:childTnLst>
+                          </p:cTn>
+                        </p:par>
+                      </p:childTnLst>
+                    </p:cTn>
+                  </p:par>
+                  <p:par>
+                    <p:cTn id="28" fill="hold">
+                      <p:stCondLst>
+                        <p:cond delay="indefinite"/>
+                      </p:stCondLst>
+                      <p:childTnLst>
+                        <p:par>
+                          <p:cTn id="29" fill="hold">
+                            <p:stCondLst>
+                              <p:cond delay="0"/>
+                            </p:stCondLst>
+                            <p:childTnLst>
+                              <p:par>
+                                <p:cTn id="30" presetID="10" presetClass="entr" presetSubtype="0" fill="hold" grpId="0" nodeType="clickEffect">
+                                  <p:stCondLst>
+                                    <p:cond delay="0"/>
+                                  </p:stCondLst>
+                                  <p:childTnLst>
+                                    <p:set>
+                                      <p:cBhvr>
+                                        <p:cTn id="31" dur="1" fill="hold">
+                                          <p:stCondLst>
+                                            <p:cond delay="0"/>
+                                          </p:stCondLst>
+                                        </p:cTn>
+                                        <p:tgtEl>
+                                          <p:spTgt spid="3">
+                                            <p:txEl>
+                                              <p:pRg st="5" end="5"/>
+                                            </p:txEl>
+                                          </p:spTgt>
+                                        </p:tgtEl>
+                                        <p:attrNameLst>
+                                          <p:attrName>style.visibility</p:attrName>
+                                        </p:attrNameLst>
+                                      </p:cBhvr>
+                                      <p:to>
+                                        <p:strVal val="visible"/>
+                                      </p:to>
+                                    </p:set>
+                                    <p:animEffect transition="in" filter="fade">
+                                      <p:cBhvr>
+                                        <p:cTn id="32" dur="500"/>
+                                        <p:tgtEl>
+                                          <p:spTgt spid="3">
+                                            <p:txEl>
+                                              <p:pRg st="5" end="5"/>
+                                            </p:txEl>
+                                          </p:spTgt>
+                                        </p:tgtEl>
+                                      </p:cBhvr>
+                                    </p:animEffect>
+                                  </p:childTnLst>
+                                </p:cTn>
+                              </p:par>
+                            </p:childTnLst>
+                          </p:cTn>
+                        </p:par>
+                      </p:childTnLst>
+                    </p:cTn>
+                  </p:par>
+                  <p:par>
+                    <p:cTn id="33" fill="hold">
+                      <p:stCondLst>
+                        <p:cond delay="indefinite"/>
+                      </p:stCondLst>
+                      <p:childTnLst>
+                        <p:par>
+                          <p:cTn id="34" fill="hold">
+                            <p:stCondLst>
+                              <p:cond delay="0"/>
+                            </p:stCondLst>
+                            <p:childTnLst>
+                              <p:par>
+                                <p:cTn id="35" presetID="10" presetClass="entr" presetSubtype="0" fill="hold" grpId="0" nodeType="clickEffect">
+                                  <p:stCondLst>
+                                    <p:cond delay="0"/>
+                                  </p:stCondLst>
+                                  <p:childTnLst>
+                                    <p:set>
+                                      <p:cBhvr>
+                                        <p:cTn id="36" dur="1" fill="hold">
+                                          <p:stCondLst>
+                                            <p:cond delay="0"/>
+                                          </p:stCondLst>
+                                        </p:cTn>
+                                        <p:tgtEl>
+                                          <p:spTgt spid="3">
+                                            <p:txEl>
+                                              <p:pRg st="6" end="6"/>
+                                            </p:txEl>
+                                          </p:spTgt>
+                                        </p:tgtEl>
+                                        <p:attrNameLst>
+                                          <p:attrName>style.visibility</p:attrName>
+                                        </p:attrNameLst>
+                                      </p:cBhvr>
+                                      <p:to>
+                                        <p:strVal val="visible"/>
+                                      </p:to>
+                                    </p:set>
+                                    <p:animEffect transition="in" filter="fade">
+                                      <p:cBhvr>
+                                        <p:cTn id="37" dur="500"/>
+                                        <p:tgtEl>
+                                          <p:spTgt spid="3">
+                                            <p:txEl>
+                                              <p:pRg st="6" end="6"/>
+                                            </p:txEl>
+                                          </p:spTgt>
+                                        </p:tgtEl>
+                                      </p:cBhvr>
+                                    </p:animEffect>
+                                  </p:childTnLst>
+                                </p:cTn>
+                              </p:par>
+                            </p:childTnLst>
+                          </p:cTn>
+                        </p:par>
+                      </p:childTnLst>
+                    </p:cTn>
+                  </p:par>
+                  <p:par>
+                    <p:cTn id="38" fill="hold">
+                      <p:stCondLst>
+                        <p:cond delay="indefinite"/>
+                      </p:stCondLst>
+                      <p:childTnLst>
+                        <p:par>
+                          <p:cTn id="39" fill="hold">
+                            <p:stCondLst>
+                              <p:cond delay="0"/>
+                            </p:stCondLst>
+                            <p:childTnLst>
+                              <p:par>
+                                <p:cTn id="40" presetID="10" presetClass="entr" presetSubtype="0" fill="hold" grpId="0" nodeType="clickEffect">
+                                  <p:stCondLst>
+                                    <p:cond delay="0"/>
+                                  </p:stCondLst>
+                                  <p:childTnLst>
+                                    <p:set>
+                                      <p:cBhvr>
+                                        <p:cTn id="41" dur="1" fill="hold">
+                                          <p:stCondLst>
+                                            <p:cond delay="0"/>
+                                          </p:stCondLst>
+                                        </p:cTn>
+                                        <p:tgtEl>
+                                          <p:spTgt spid="3">
+                                            <p:txEl>
+                                              <p:pRg st="7" end="7"/>
+                                            </p:txEl>
+                                          </p:spTgt>
+                                        </p:tgtEl>
+                                        <p:attrNameLst>
+                                          <p:attrName>style.visibility</p:attrName>
+                                        </p:attrNameLst>
+                                      </p:cBhvr>
+                                      <p:to>
+                                        <p:strVal val="visible"/>
+                                      </p:to>
+                                    </p:set>
+                                    <p:animEffect transition="in" filter="fade">
+                                      <p:cBhvr>
+                                        <p:cTn id="42" dur="500"/>
+                                        <p:tgtEl>
+                                          <p:spTgt spid="3">
+                                            <p:txEl>
+                                              <p:pRg st="7" end="7"/>
+                                            </p:txEl>
+                                          </p:spTgt>
+                                        </p:tgtEl>
+                                      </p:cBhvr>
+                                    </p:animEffect>
+                                  </p:childTnLst>
+                                </p:cTn>
+                              </p:par>
+                            </p:childTnLst>
+                          </p:cTn>
+                        </p:par>
+                      </p:childTnLst>
+                    </p:cTn>
+                  </p:par>
+                  <p:par>
+                    <p:cTn id="43" fill="hold">
+                      <p:stCondLst>
+                        <p:cond delay="indefinite"/>
+                      </p:stCondLst>
+                      <p:childTnLst>
+                        <p:par>
+                          <p:cTn id="44" fill="hold">
+                            <p:stCondLst>
+                              <p:cond delay="0"/>
+                            </p:stCondLst>
+                            <p:childTnLst>
+                              <p:par>
+                                <p:cTn id="45" presetID="10" presetClass="entr" presetSubtype="0" fill="hold" grpId="0" nodeType="clickEffect">
+                                  <p:stCondLst>
+                                    <p:cond delay="0"/>
+                                  </p:stCondLst>
+                                  <p:childTnLst>
+                                    <p:set>
+                                      <p:cBhvr>
+                                        <p:cTn id="46" dur="1" fill="hold">
+                                          <p:stCondLst>
+                                            <p:cond delay="0"/>
+                                          </p:stCondLst>
+                                        </p:cTn>
+                                        <p:tgtEl>
+                                          <p:spTgt spid="3">
+                                            <p:txEl>
+                                              <p:pRg st="8" end="8"/>
+                                            </p:txEl>
+                                          </p:spTgt>
+                                        </p:tgtEl>
+                                        <p:attrNameLst>
+                                          <p:attrName>style.visibility</p:attrName>
+                                        </p:attrNameLst>
+                                      </p:cBhvr>
+                                      <p:to>
+                                        <p:strVal val="visible"/>
+                                      </p:to>
+                                    </p:set>
+                                    <p:animEffect transition="in" filter="fade">
+                                      <p:cBhvr>
+                                        <p:cTn id="47" dur="500"/>
+                                        <p:tgtEl>
+                                          <p:spTgt spid="3">
+                                            <p:txEl>
+                                              <p:pRg st="8" end="8"/>
+                                            </p:txEl>
+                                          </p:spTgt>
+                                        </p:tgtEl>
+                                      </p:cBhvr>
+                                    </p:animEffect>
+                                  </p:childTnLst>
+                                </p:cTn>
+                              </p:par>
+                            </p:childTnLst>
+                          </p:cTn>
+                        </p:par>
+                      </p:childTnLst>
+                    </p:cTn>
+                  </p:par>
+                  <p:par>
+                    <p:cTn id="48" fill="hold">
+                      <p:stCondLst>
+                        <p:cond delay="indefinite"/>
+                      </p:stCondLst>
+                      <p:childTnLst>
+                        <p:par>
+                          <p:cTn id="49" fill="hold">
+                            <p:stCondLst>
+                              <p:cond delay="0"/>
+                            </p:stCondLst>
+                            <p:childTnLst>
+                              <p:par>
+                                <p:cTn id="50" presetID="10" presetClass="entr" presetSubtype="0" fill="hold" grpId="0" nodeType="clickEffect">
+                                  <p:stCondLst>
+                                    <p:cond delay="0"/>
+                                  </p:stCondLst>
+                                  <p:childTnLst>
+                                    <p:set>
+                                      <p:cBhvr>
+                                        <p:cTn id="51" dur="1" fill="hold">
+                                          <p:stCondLst>
+                                            <p:cond delay="0"/>
+                                          </p:stCondLst>
+                                        </p:cTn>
+                                        <p:tgtEl>
+                                          <p:spTgt spid="3">
+                                            <p:txEl>
+                                              <p:pRg st="9" end="9"/>
+                                            </p:txEl>
+                                          </p:spTgt>
+                                        </p:tgtEl>
+                                        <p:attrNameLst>
+                                          <p:attrName>style.visibility</p:attrName>
+                                        </p:attrNameLst>
+                                      </p:cBhvr>
+                                      <p:to>
+                                        <p:strVal val="visible"/>
+                                      </p:to>
+                                    </p:set>
+                                    <p:animEffect transition="in" filter="fade">
+                                      <p:cBhvr>
+                                        <p:cTn id="52" dur="500"/>
+                                        <p:tgtEl>
+                                          <p:spTgt spid="3">
+                                            <p:txEl>
+                                              <p:pRg st="9" end="9"/>
+                                            </p:txEl>
+                                          </p:spTgt>
+                                        </p:tgtEl>
+                                      </p:cBhvr>
+                                    </p:animEffect>
+                                  </p:childTnLst>
+                                </p:cTn>
+                              </p:par>
+                            </p:childTnLst>
+                          </p:cTn>
+                        </p:par>
+                      </p:childTnLst>
+                    </p:cTn>
+                  </p:par>
+                  <p:par>
+                    <p:cTn id="53" fill="hold">
+                      <p:stCondLst>
+                        <p:cond delay="indefinite"/>
+                      </p:stCondLst>
+                      <p:childTnLst>
+                        <p:par>
+                          <p:cTn id="54" fill="hold">
+                            <p:stCondLst>
+                              <p:cond delay="0"/>
+                            </p:stCondLst>
+                            <p:childTnLst>
+                              <p:par>
+                                <p:cTn id="55" presetID="10" presetClass="entr" presetSubtype="0" fill="hold" grpId="0" nodeType="clickEffect">
+                                  <p:stCondLst>
+                                    <p:cond delay="0"/>
+                                  </p:stCondLst>
+                                  <p:childTnLst>
+                                    <p:set>
+                                      <p:cBhvr>
+                                        <p:cTn id="56" dur="1" fill="hold">
+                                          <p:stCondLst>
+                                            <p:cond delay="0"/>
+                                          </p:stCondLst>
+                                        </p:cTn>
+                                        <p:tgtEl>
+                                          <p:spTgt spid="3">
+                                            <p:txEl>
+                                              <p:pRg st="10" end="10"/>
+                                            </p:txEl>
+                                          </p:spTgt>
+                                        </p:tgtEl>
+                                        <p:attrNameLst>
+                                          <p:attrName>style.visibility</p:attrName>
+                                        </p:attrNameLst>
+                                      </p:cBhvr>
+                                      <p:to>
+                                        <p:strVal val="visible"/>
+                                      </p:to>
+                                    </p:set>
+                                    <p:animEffect transition="in" filter="fade">
+                                      <p:cBhvr>
+                                        <p:cTn id="57" dur="500"/>
+                                        <p:tgtEl>
+                                          <p:spTgt spid="3">
+                                            <p:txEl>
+                                              <p:pRg st="10" end="10"/>
+                                            </p:txEl>
+                                          </p:spTgt>
+                                        </p:tgtEl>
+                                      </p:cBhvr>
+                                    </p:animEffect>
+                                  </p:childTnLst>
+                                </p:cTn>
+                              </p:par>
+                            </p:childTnLst>
+                          </p:cTn>
+                        </p:par>
+                      </p:childTnLst>
+                    </p:cTn>
+                  </p:par>
+                  <p:par>
+                    <p:cTn id="58" fill="hold">
+                      <p:stCondLst>
+                        <p:cond delay="indefinite"/>
+                      </p:stCondLst>
+                      <p:childTnLst>
+                        <p:par>
+                          <p:cTn id="59" fill="hold">
+                            <p:stCondLst>
+                              <p:cond delay="0"/>
+                            </p:stCondLst>
+                            <p:childTnLst>
+                              <p:par>
+                                <p:cTn id="60" presetID="10" presetClass="entr" presetSubtype="0" fill="hold" grpId="0" nodeType="clickEffect">
+                                  <p:stCondLst>
+                                    <p:cond delay="0"/>
+                                  </p:stCondLst>
+                                  <p:childTnLst>
+                                    <p:set>
+                                      <p:cBhvr>
+                                        <p:cTn id="61" dur="1" fill="hold">
+                                          <p:stCondLst>
+                                            <p:cond delay="0"/>
+                                          </p:stCondLst>
+                                        </p:cTn>
+                                        <p:tgtEl>
+                                          <p:spTgt spid="3">
+                                            <p:txEl>
+                                              <p:pRg st="11" end="11"/>
+                                            </p:txEl>
+                                          </p:spTgt>
+                                        </p:tgtEl>
+                                        <p:attrNameLst>
+                                          <p:attrName>style.visibility</p:attrName>
+                                        </p:attrNameLst>
+                                      </p:cBhvr>
+                                      <p:to>
+                                        <p:strVal val="visible"/>
+                                      </p:to>
+                                    </p:set>
+                                    <p:animEffect transition="in" filter="fade">
+                                      <p:cBhvr>
+                                        <p:cTn id="62" dur="500"/>
+                                        <p:tgtEl>
+                                          <p:spTgt spid="3">
+                                            <p:txEl>
+                                              <p:pRg st="11" end="11"/>
+                                            </p:txEl>
+                                          </p:spTgt>
+                                        </p:tgtEl>
+                                      </p:cBhvr>
+                                    </p:animEffect>
+                                  </p:childTnLst>
+                                </p:cTn>
+                              </p:par>
+                            </p:childTnLst>
+                          </p:cTn>
+                        </p:par>
+                      </p:childTnLst>
+                    </p:cTn>
+                  </p:par>
+                  <p:par>
+                    <p:cTn id="63" fill="hold">
+                      <p:stCondLst>
+                        <p:cond delay="indefinite"/>
+                      </p:stCondLst>
+                      <p:childTnLst>
+                        <p:par>
+                          <p:cTn id="64" fill="hold">
+                            <p:stCondLst>
+                              <p:cond delay="0"/>
+                            </p:stCondLst>
+                            <p:childTnLst>
+                              <p:par>
+                                <p:cTn id="65" presetID="10" presetClass="entr" presetSubtype="0" fill="hold" grpId="0" nodeType="clickEffect">
+                                  <p:stCondLst>
+                                    <p:cond delay="0"/>
+                                  </p:stCondLst>
+                                  <p:childTnLst>
+                                    <p:set>
+                                      <p:cBhvr>
+                                        <p:cTn id="66" dur="1" fill="hold">
+                                          <p:stCondLst>
+                                            <p:cond delay="0"/>
+                                          </p:stCondLst>
+                                        </p:cTn>
+                                        <p:tgtEl>
+                                          <p:spTgt spid="3">
+                                            <p:txEl>
+                                              <p:pRg st="12" end="12"/>
+                                            </p:txEl>
+                                          </p:spTgt>
+                                        </p:tgtEl>
+                                        <p:attrNameLst>
+                                          <p:attrName>style.visibility</p:attrName>
+                                        </p:attrNameLst>
+                                      </p:cBhvr>
+                                      <p:to>
+                                        <p:strVal val="visible"/>
+                                      </p:to>
+                                    </p:set>
+                                    <p:animEffect transition="in" filter="fade">
+                                      <p:cBhvr>
+                                        <p:cTn id="67" dur="500"/>
+                                        <p:tgtEl>
+                                          <p:spTgt spid="3">
+                                            <p:txEl>
+                                              <p:pRg st="12" end="12"/>
+                                            </p:txEl>
+                                          </p:spTgt>
+                                        </p:tgtEl>
+                                      </p:cBhvr>
+                                    </p:animEffect>
+                                  </p:childTnLst>
+                                </p:cTn>
+                              </p:par>
+                            </p:childTnLst>
+                          </p:cTn>
+                        </p:par>
+                      </p:childTnLst>
+                    </p:cTn>
+                  </p:par>
+                </p:childTnLst>
+              </p:cTn>
+              <p:prevCondLst>
+                <p:cond evt="onPrev" delay="0">
+                  <p:tgtEl>
+                    <p:sldTgt/>
+                  </p:tgtEl>
+                </p:cond>
+              </p:prevCondLst>
+              <p:nextCondLst>
+                <p:cond evt="onNext" delay="0">
+                  <p:tgtEl>
+                    <p:sldTgt/>
+                  </p:tgtEl>
+                </p:cond>
+              </p:nextCondLst>
+            </p:seq>
+          </p:childTnLst>
+        </p:cTn>
+      </p:par>
+    </p:tnLst>
+    <p:bldLst>
+      <p:bldP spid="3" grpId="0" build="p"/>
+    </p:bldLst>
+  </p:timing>
 </p:sld>
 </file>
 
@@ -4561,20 +5396,28 @@
           <a:lstStyle/>
           <a:p>
             <a:r>
-              <a:rPr lang="ru-RU"/>
+              <a:rPr lang="ru-RU" dirty="0"/>
               <a:t>Другие операции могут также потребовать от клиента выполнения длинной последовательности операций</a:t>
             </a:r>
           </a:p>
           <a:p>
             <a:r>
-              <a:rPr lang="ru-RU"/>
+              <a:rPr lang="ru-RU" dirty="0"/>
               <a:t>Повышенная сложность работы с кинотеатром</a:t>
             </a:r>
           </a:p>
           <a:p>
             <a:r>
-              <a:rPr lang="ru-RU"/>
-              <a:t>При изменении интерфейсов системы потребуется изучать новую последовательнось действий</a:t>
+              <a:rPr lang="ru-RU" dirty="0"/>
+              <a:t>При изменении интерфейсов системы потребуется изучать новую </a:t>
+            </a:r>
+            <a:r>
+              <a:rPr lang="ru-RU" dirty="0" err="1"/>
+              <a:t>последовательнось</a:t>
+            </a:r>
+            <a:r>
+              <a:rPr lang="ru-RU" dirty="0"/>
+              <a:t> действий</a:t>
             </a:r>
           </a:p>
         </p:txBody>
@@ -4589,6 +5432,222 @@
   <p:clrMapOvr>
     <a:masterClrMapping/>
   </p:clrMapOvr>
+  <p:timing>
+    <p:tnLst>
+      <p:par>
+        <p:cTn id="1" dur="indefinite" restart="never" nodeType="tmRoot">
+          <p:childTnLst>
+            <p:seq concurrent="1" nextAc="seek">
+              <p:cTn id="2" dur="indefinite" nodeType="mainSeq">
+                <p:childTnLst>
+                  <p:par>
+                    <p:cTn id="3" fill="hold">
+                      <p:stCondLst>
+                        <p:cond delay="indefinite"/>
+                      </p:stCondLst>
+                      <p:childTnLst>
+                        <p:par>
+                          <p:cTn id="4" fill="hold">
+                            <p:stCondLst>
+                              <p:cond delay="0"/>
+                            </p:stCondLst>
+                            <p:childTnLst>
+                              <p:par>
+                                <p:cTn id="5" presetID="10" presetClass="entr" presetSubtype="0" fill="hold" grpId="0" nodeType="clickEffect">
+                                  <p:stCondLst>
+                                    <p:cond delay="0"/>
+                                  </p:stCondLst>
+                                  <p:childTnLst>
+                                    <p:set>
+                                      <p:cBhvr>
+                                        <p:cTn id="6" dur="1" fill="hold">
+                                          <p:stCondLst>
+                                            <p:cond delay="0"/>
+                                          </p:stCondLst>
+                                        </p:cTn>
+                                        <p:tgtEl>
+                                          <p:spTgt spid="3">
+                                            <p:txEl>
+                                              <p:pRg st="0" end="0"/>
+                                            </p:txEl>
+                                          </p:spTgt>
+                                        </p:tgtEl>
+                                        <p:attrNameLst>
+                                          <p:attrName>style.visibility</p:attrName>
+                                        </p:attrNameLst>
+                                      </p:cBhvr>
+                                      <p:to>
+                                        <p:strVal val="visible"/>
+                                      </p:to>
+                                    </p:set>
+                                    <p:animEffect transition="in" filter="fade">
+                                      <p:cBhvr>
+                                        <p:cTn id="7" dur="500"/>
+                                        <p:tgtEl>
+                                          <p:spTgt spid="3">
+                                            <p:txEl>
+                                              <p:pRg st="0" end="0"/>
+                                            </p:txEl>
+                                          </p:spTgt>
+                                        </p:tgtEl>
+                                      </p:cBhvr>
+                                    </p:animEffect>
+                                  </p:childTnLst>
+                                </p:cTn>
+                              </p:par>
+                            </p:childTnLst>
+                          </p:cTn>
+                        </p:par>
+                      </p:childTnLst>
+                    </p:cTn>
+                  </p:par>
+                  <p:par>
+                    <p:cTn id="8" fill="hold">
+                      <p:stCondLst>
+                        <p:cond delay="indefinite"/>
+                      </p:stCondLst>
+                      <p:childTnLst>
+                        <p:par>
+                          <p:cTn id="9" fill="hold">
+                            <p:stCondLst>
+                              <p:cond delay="0"/>
+                            </p:stCondLst>
+                            <p:childTnLst>
+                              <p:par>
+                                <p:cTn id="10" presetID="10" presetClass="entr" presetSubtype="0" fill="hold" grpId="0" nodeType="clickEffect">
+                                  <p:stCondLst>
+                                    <p:cond delay="0"/>
+                                  </p:stCondLst>
+                                  <p:childTnLst>
+                                    <p:set>
+                                      <p:cBhvr>
+                                        <p:cTn id="11" dur="1" fill="hold">
+                                          <p:stCondLst>
+                                            <p:cond delay="0"/>
+                                          </p:stCondLst>
+                                        </p:cTn>
+                                        <p:tgtEl>
+                                          <p:spTgt spid="3">
+                                            <p:txEl>
+                                              <p:pRg st="1" end="1"/>
+                                            </p:txEl>
+                                          </p:spTgt>
+                                        </p:tgtEl>
+                                        <p:attrNameLst>
+                                          <p:attrName>style.visibility</p:attrName>
+                                        </p:attrNameLst>
+                                      </p:cBhvr>
+                                      <p:to>
+                                        <p:strVal val="visible"/>
+                                      </p:to>
+                                    </p:set>
+                                    <p:animEffect transition="in" filter="fade">
+                                      <p:cBhvr>
+                                        <p:cTn id="12" dur="500"/>
+                                        <p:tgtEl>
+                                          <p:spTgt spid="3">
+                                            <p:txEl>
+                                              <p:pRg st="1" end="1"/>
+                                            </p:txEl>
+                                          </p:spTgt>
+                                        </p:tgtEl>
+                                      </p:cBhvr>
+                                    </p:animEffect>
+                                  </p:childTnLst>
+                                </p:cTn>
+                              </p:par>
+                            </p:childTnLst>
+                          </p:cTn>
+                        </p:par>
+                      </p:childTnLst>
+                    </p:cTn>
+                  </p:par>
+                  <p:par>
+                    <p:cTn id="13" fill="hold">
+                      <p:stCondLst>
+                        <p:cond delay="indefinite"/>
+                      </p:stCondLst>
+                      <p:childTnLst>
+                        <p:par>
+                          <p:cTn id="14" fill="hold">
+                            <p:stCondLst>
+                              <p:cond delay="0"/>
+                            </p:stCondLst>
+                            <p:childTnLst>
+                              <p:par>
+                                <p:cTn id="15" presetID="10" presetClass="entr" presetSubtype="0" fill="hold" grpId="0" nodeType="clickEffect">
+                                  <p:stCondLst>
+                                    <p:cond delay="0"/>
+                                  </p:stCondLst>
+                                  <p:childTnLst>
+                                    <p:set>
+                                      <p:cBhvr>
+                                        <p:cTn id="16" dur="1" fill="hold">
+                                          <p:stCondLst>
+                                            <p:cond delay="0"/>
+                                          </p:stCondLst>
+                                        </p:cTn>
+                                        <p:tgtEl>
+                                          <p:spTgt spid="3">
+                                            <p:txEl>
+                                              <p:pRg st="2" end="2"/>
+                                            </p:txEl>
+                                          </p:spTgt>
+                                        </p:tgtEl>
+                                        <p:attrNameLst>
+                                          <p:attrName>style.visibility</p:attrName>
+                                        </p:attrNameLst>
+                                      </p:cBhvr>
+                                      <p:to>
+                                        <p:strVal val="visible"/>
+                                      </p:to>
+                                    </p:set>
+                                    <p:animEffect transition="in" filter="fade">
+                                      <p:cBhvr>
+                                        <p:cTn id="17" dur="500"/>
+                                        <p:tgtEl>
+                                          <p:spTgt spid="3">
+                                            <p:txEl>
+                                              <p:pRg st="2" end="2"/>
+                                            </p:txEl>
+                                          </p:spTgt>
+                                        </p:tgtEl>
+                                      </p:cBhvr>
+                                    </p:animEffect>
+                                  </p:childTnLst>
+                                </p:cTn>
+                              </p:par>
+                            </p:childTnLst>
+                          </p:cTn>
+                        </p:par>
+                      </p:childTnLst>
+                    </p:cTn>
+                  </p:par>
+                </p:childTnLst>
+              </p:cTn>
+              <p:prevCondLst>
+                <p:cond evt="onPrev" delay="0">
+                  <p:tgtEl>
+                    <p:sldTgt/>
+                  </p:tgtEl>
+                </p:cond>
+              </p:prevCondLst>
+              <p:nextCondLst>
+                <p:cond evt="onNext" delay="0">
+                  <p:tgtEl>
+                    <p:sldTgt/>
+                  </p:tgtEl>
+                </p:cond>
+              </p:nextCondLst>
+            </p:seq>
+          </p:childTnLst>
+        </p:cTn>
+      </p:par>
+    </p:tnLst>
+    <p:bldLst>
+      <p:bldP spid="3" grpId="0" build="p"/>
+    </p:bldLst>
+  </p:timing>
 </p:sld>
 </file>
 
@@ -4665,6 +5724,13 @@
   <p:clrMapOvr>
     <a:masterClrMapping/>
   </p:clrMapOvr>
+  <p:timing>
+    <p:tnLst>
+      <p:par>
+        <p:cTn id="1" dur="indefinite" restart="never" nodeType="tmRoot"/>
+      </p:par>
+    </p:tnLst>
+  </p:timing>
 </p:sld>
 </file>
 
@@ -4778,6 +5844,369 @@
   <p:clrMapOvr>
     <a:masterClrMapping/>
   </p:clrMapOvr>
+  <p:timing>
+    <p:tnLst>
+      <p:par>
+        <p:cTn id="1" dur="indefinite" restart="never" nodeType="tmRoot">
+          <p:childTnLst>
+            <p:seq concurrent="1" nextAc="seek">
+              <p:cTn id="2" dur="indefinite" nodeType="mainSeq">
+                <p:childTnLst>
+                  <p:par>
+                    <p:cTn id="3" fill="hold">
+                      <p:stCondLst>
+                        <p:cond delay="indefinite"/>
+                      </p:stCondLst>
+                      <p:childTnLst>
+                        <p:par>
+                          <p:cTn id="4" fill="hold">
+                            <p:stCondLst>
+                              <p:cond delay="0"/>
+                            </p:stCondLst>
+                            <p:childTnLst>
+                              <p:par>
+                                <p:cTn id="5" presetID="10" presetClass="entr" presetSubtype="0" fill="hold" grpId="0" nodeType="clickEffect">
+                                  <p:stCondLst>
+                                    <p:cond delay="0"/>
+                                  </p:stCondLst>
+                                  <p:childTnLst>
+                                    <p:set>
+                                      <p:cBhvr>
+                                        <p:cTn id="6" dur="1" fill="hold">
+                                          <p:stCondLst>
+                                            <p:cond delay="0"/>
+                                          </p:stCondLst>
+                                        </p:cTn>
+                                        <p:tgtEl>
+                                          <p:spTgt spid="4">
+                                            <p:txEl>
+                                              <p:pRg st="0" end="0"/>
+                                            </p:txEl>
+                                          </p:spTgt>
+                                        </p:tgtEl>
+                                        <p:attrNameLst>
+                                          <p:attrName>style.visibility</p:attrName>
+                                        </p:attrNameLst>
+                                      </p:cBhvr>
+                                      <p:to>
+                                        <p:strVal val="visible"/>
+                                      </p:to>
+                                    </p:set>
+                                    <p:animEffect transition="in" filter="fade">
+                                      <p:cBhvr>
+                                        <p:cTn id="7" dur="500"/>
+                                        <p:tgtEl>
+                                          <p:spTgt spid="4">
+                                            <p:txEl>
+                                              <p:pRg st="0" end="0"/>
+                                            </p:txEl>
+                                          </p:spTgt>
+                                        </p:tgtEl>
+                                      </p:cBhvr>
+                                    </p:animEffect>
+                                  </p:childTnLst>
+                                </p:cTn>
+                              </p:par>
+                              <p:par>
+                                <p:cTn id="8" presetID="10" presetClass="entr" presetSubtype="0" fill="hold" grpId="0" nodeType="withEffect">
+                                  <p:stCondLst>
+                                    <p:cond delay="0"/>
+                                  </p:stCondLst>
+                                  <p:childTnLst>
+                                    <p:set>
+                                      <p:cBhvr>
+                                        <p:cTn id="9" dur="1" fill="hold">
+                                          <p:stCondLst>
+                                            <p:cond delay="0"/>
+                                          </p:stCondLst>
+                                        </p:cTn>
+                                        <p:tgtEl>
+                                          <p:spTgt spid="4">
+                                            <p:txEl>
+                                              <p:pRg st="1" end="1"/>
+                                            </p:txEl>
+                                          </p:spTgt>
+                                        </p:tgtEl>
+                                        <p:attrNameLst>
+                                          <p:attrName>style.visibility</p:attrName>
+                                        </p:attrNameLst>
+                                      </p:cBhvr>
+                                      <p:to>
+                                        <p:strVal val="visible"/>
+                                      </p:to>
+                                    </p:set>
+                                    <p:animEffect transition="in" filter="fade">
+                                      <p:cBhvr>
+                                        <p:cTn id="10" dur="500"/>
+                                        <p:tgtEl>
+                                          <p:spTgt spid="4">
+                                            <p:txEl>
+                                              <p:pRg st="1" end="1"/>
+                                            </p:txEl>
+                                          </p:spTgt>
+                                        </p:tgtEl>
+                                      </p:cBhvr>
+                                    </p:animEffect>
+                                  </p:childTnLst>
+                                </p:cTn>
+                              </p:par>
+                            </p:childTnLst>
+                          </p:cTn>
+                        </p:par>
+                      </p:childTnLst>
+                    </p:cTn>
+                  </p:par>
+                  <p:par>
+                    <p:cTn id="11" fill="hold">
+                      <p:stCondLst>
+                        <p:cond delay="indefinite"/>
+                      </p:stCondLst>
+                      <p:childTnLst>
+                        <p:par>
+                          <p:cTn id="12" fill="hold">
+                            <p:stCondLst>
+                              <p:cond delay="0"/>
+                            </p:stCondLst>
+                            <p:childTnLst>
+                              <p:par>
+                                <p:cTn id="13" presetID="10" presetClass="entr" presetSubtype="0" fill="hold" grpId="0" nodeType="clickEffect">
+                                  <p:stCondLst>
+                                    <p:cond delay="0"/>
+                                  </p:stCondLst>
+                                  <p:childTnLst>
+                                    <p:set>
+                                      <p:cBhvr>
+                                        <p:cTn id="14" dur="1" fill="hold">
+                                          <p:stCondLst>
+                                            <p:cond delay="0"/>
+                                          </p:stCondLst>
+                                        </p:cTn>
+                                        <p:tgtEl>
+                                          <p:spTgt spid="4">
+                                            <p:txEl>
+                                              <p:pRg st="2" end="2"/>
+                                            </p:txEl>
+                                          </p:spTgt>
+                                        </p:tgtEl>
+                                        <p:attrNameLst>
+                                          <p:attrName>style.visibility</p:attrName>
+                                        </p:attrNameLst>
+                                      </p:cBhvr>
+                                      <p:to>
+                                        <p:strVal val="visible"/>
+                                      </p:to>
+                                    </p:set>
+                                    <p:animEffect transition="in" filter="fade">
+                                      <p:cBhvr>
+                                        <p:cTn id="15" dur="500"/>
+                                        <p:tgtEl>
+                                          <p:spTgt spid="4">
+                                            <p:txEl>
+                                              <p:pRg st="2" end="2"/>
+                                            </p:txEl>
+                                          </p:spTgt>
+                                        </p:tgtEl>
+                                      </p:cBhvr>
+                                    </p:animEffect>
+                                  </p:childTnLst>
+                                </p:cTn>
+                              </p:par>
+                            </p:childTnLst>
+                          </p:cTn>
+                        </p:par>
+                      </p:childTnLst>
+                    </p:cTn>
+                  </p:par>
+                  <p:par>
+                    <p:cTn id="16" fill="hold">
+                      <p:stCondLst>
+                        <p:cond delay="indefinite"/>
+                      </p:stCondLst>
+                      <p:childTnLst>
+                        <p:par>
+                          <p:cTn id="17" fill="hold">
+                            <p:stCondLst>
+                              <p:cond delay="0"/>
+                            </p:stCondLst>
+                            <p:childTnLst>
+                              <p:par>
+                                <p:cTn id="18" presetID="10" presetClass="entr" presetSubtype="0" fill="hold" grpId="0" nodeType="clickEffect">
+                                  <p:stCondLst>
+                                    <p:cond delay="0"/>
+                                  </p:stCondLst>
+                                  <p:childTnLst>
+                                    <p:set>
+                                      <p:cBhvr>
+                                        <p:cTn id="19" dur="1" fill="hold">
+                                          <p:stCondLst>
+                                            <p:cond delay="0"/>
+                                          </p:stCondLst>
+                                        </p:cTn>
+                                        <p:tgtEl>
+                                          <p:spTgt spid="4">
+                                            <p:txEl>
+                                              <p:pRg st="3" end="3"/>
+                                            </p:txEl>
+                                          </p:spTgt>
+                                        </p:tgtEl>
+                                        <p:attrNameLst>
+                                          <p:attrName>style.visibility</p:attrName>
+                                        </p:attrNameLst>
+                                      </p:cBhvr>
+                                      <p:to>
+                                        <p:strVal val="visible"/>
+                                      </p:to>
+                                    </p:set>
+                                    <p:animEffect transition="in" filter="fade">
+                                      <p:cBhvr>
+                                        <p:cTn id="20" dur="500"/>
+                                        <p:tgtEl>
+                                          <p:spTgt spid="4">
+                                            <p:txEl>
+                                              <p:pRg st="3" end="3"/>
+                                            </p:txEl>
+                                          </p:spTgt>
+                                        </p:tgtEl>
+                                      </p:cBhvr>
+                                    </p:animEffect>
+                                  </p:childTnLst>
+                                </p:cTn>
+                              </p:par>
+                            </p:childTnLst>
+                          </p:cTn>
+                        </p:par>
+                      </p:childTnLst>
+                    </p:cTn>
+                  </p:par>
+                  <p:par>
+                    <p:cTn id="21" fill="hold">
+                      <p:stCondLst>
+                        <p:cond delay="indefinite"/>
+                      </p:stCondLst>
+                      <p:childTnLst>
+                        <p:par>
+                          <p:cTn id="22" fill="hold">
+                            <p:stCondLst>
+                              <p:cond delay="0"/>
+                            </p:stCondLst>
+                            <p:childTnLst>
+                              <p:par>
+                                <p:cTn id="23" presetID="10" presetClass="entr" presetSubtype="0" fill="hold" grpId="0" nodeType="clickEffect">
+                                  <p:stCondLst>
+                                    <p:cond delay="0"/>
+                                  </p:stCondLst>
+                                  <p:childTnLst>
+                                    <p:set>
+                                      <p:cBhvr>
+                                        <p:cTn id="24" dur="1" fill="hold">
+                                          <p:stCondLst>
+                                            <p:cond delay="0"/>
+                                          </p:stCondLst>
+                                        </p:cTn>
+                                        <p:tgtEl>
+                                          <p:spTgt spid="4">
+                                            <p:txEl>
+                                              <p:pRg st="4" end="4"/>
+                                            </p:txEl>
+                                          </p:spTgt>
+                                        </p:tgtEl>
+                                        <p:attrNameLst>
+                                          <p:attrName>style.visibility</p:attrName>
+                                        </p:attrNameLst>
+                                      </p:cBhvr>
+                                      <p:to>
+                                        <p:strVal val="visible"/>
+                                      </p:to>
+                                    </p:set>
+                                    <p:animEffect transition="in" filter="fade">
+                                      <p:cBhvr>
+                                        <p:cTn id="25" dur="500"/>
+                                        <p:tgtEl>
+                                          <p:spTgt spid="4">
+                                            <p:txEl>
+                                              <p:pRg st="4" end="4"/>
+                                            </p:txEl>
+                                          </p:spTgt>
+                                        </p:tgtEl>
+                                      </p:cBhvr>
+                                    </p:animEffect>
+                                  </p:childTnLst>
+                                </p:cTn>
+                              </p:par>
+                              <p:par>
+                                <p:cTn id="26" presetID="10" presetClass="entr" presetSubtype="0" fill="hold" grpId="0" nodeType="withEffect">
+                                  <p:stCondLst>
+                                    <p:cond delay="0"/>
+                                  </p:stCondLst>
+                                  <p:childTnLst>
+                                    <p:set>
+                                      <p:cBhvr>
+                                        <p:cTn id="27" dur="1" fill="hold">
+                                          <p:stCondLst>
+                                            <p:cond delay="0"/>
+                                          </p:stCondLst>
+                                        </p:cTn>
+                                        <p:tgtEl>
+                                          <p:spTgt spid="4">
+                                            <p:txEl>
+                                              <p:pRg st="5" end="5"/>
+                                            </p:txEl>
+                                          </p:spTgt>
+                                        </p:tgtEl>
+                                        <p:attrNameLst>
+                                          <p:attrName>style.visibility</p:attrName>
+                                        </p:attrNameLst>
+                                      </p:cBhvr>
+                                      <p:to>
+                                        <p:strVal val="visible"/>
+                                      </p:to>
+                                    </p:set>
+                                    <p:animEffect transition="in" filter="fade">
+                                      <p:cBhvr>
+                                        <p:cTn id="28" dur="500"/>
+                                        <p:tgtEl>
+                                          <p:spTgt spid="4">
+                                            <p:txEl>
+                                              <p:pRg st="5" end="5"/>
+                                            </p:txEl>
+                                          </p:spTgt>
+                                        </p:tgtEl>
+                                      </p:cBhvr>
+                                    </p:animEffect>
+                                  </p:childTnLst>
+                                </p:cTn>
+                              </p:par>
+                            </p:childTnLst>
+                          </p:cTn>
+                        </p:par>
+                      </p:childTnLst>
+                    </p:cTn>
+                  </p:par>
+                </p:childTnLst>
+              </p:cTn>
+              <p:prevCondLst>
+                <p:cond evt="onPrev" delay="0">
+                  <p:tgtEl>
+                    <p:sldTgt/>
+                  </p:tgtEl>
+                </p:cond>
+              </p:prevCondLst>
+              <p:nextCondLst>
+                <p:cond evt="onNext" delay="0">
+                  <p:tgtEl>
+                    <p:sldTgt/>
+                  </p:tgtEl>
+                </p:cond>
+              </p:nextCondLst>
+            </p:seq>
+          </p:childTnLst>
+        </p:cTn>
+      </p:par>
+    </p:tnLst>
+    <p:bldLst>
+      <p:bldP spid="4" grpId="0" build="p"/>
+    </p:bldLst>
+  </p:timing>
 </p:sld>
 </file>
 
@@ -4862,6 +6291,161 @@
   <p:clrMapOvr>
     <a:masterClrMapping/>
   </p:clrMapOvr>
+  <p:timing>
+    <p:tnLst>
+      <p:par>
+        <p:cTn id="1" dur="indefinite" restart="never" nodeType="tmRoot">
+          <p:childTnLst>
+            <p:seq concurrent="1" nextAc="seek">
+              <p:cTn id="2" dur="indefinite" nodeType="mainSeq">
+                <p:childTnLst>
+                  <p:par>
+                    <p:cTn id="3" fill="hold">
+                      <p:stCondLst>
+                        <p:cond delay="indefinite"/>
+                      </p:stCondLst>
+                      <p:childTnLst>
+                        <p:par>
+                          <p:cTn id="4" fill="hold">
+                            <p:stCondLst>
+                              <p:cond delay="0"/>
+                            </p:stCondLst>
+                            <p:childTnLst>
+                              <p:par>
+                                <p:cTn id="5" presetID="10" presetClass="entr" presetSubtype="0" fill="hold" grpId="0" nodeType="clickEffect">
+                                  <p:stCondLst>
+                                    <p:cond delay="0"/>
+                                  </p:stCondLst>
+                                  <p:childTnLst>
+                                    <p:set>
+                                      <p:cBhvr>
+                                        <p:cTn id="6" dur="1" fill="hold">
+                                          <p:stCondLst>
+                                            <p:cond delay="0"/>
+                                          </p:stCondLst>
+                                        </p:cTn>
+                                        <p:tgtEl>
+                                          <p:spTgt spid="3">
+                                            <p:txEl>
+                                              <p:pRg st="0" end="0"/>
+                                            </p:txEl>
+                                          </p:spTgt>
+                                        </p:tgtEl>
+                                        <p:attrNameLst>
+                                          <p:attrName>style.visibility</p:attrName>
+                                        </p:attrNameLst>
+                                      </p:cBhvr>
+                                      <p:to>
+                                        <p:strVal val="visible"/>
+                                      </p:to>
+                                    </p:set>
+                                    <p:animEffect transition="in" filter="fade">
+                                      <p:cBhvr>
+                                        <p:cTn id="7" dur="500"/>
+                                        <p:tgtEl>
+                                          <p:spTgt spid="3">
+                                            <p:txEl>
+                                              <p:pRg st="0" end="0"/>
+                                            </p:txEl>
+                                          </p:spTgt>
+                                        </p:tgtEl>
+                                      </p:cBhvr>
+                                    </p:animEffect>
+                                  </p:childTnLst>
+                                </p:cTn>
+                              </p:par>
+                            </p:childTnLst>
+                          </p:cTn>
+                        </p:par>
+                      </p:childTnLst>
+                    </p:cTn>
+                  </p:par>
+                  <p:par>
+                    <p:cTn id="8" fill="hold">
+                      <p:stCondLst>
+                        <p:cond delay="indefinite"/>
+                      </p:stCondLst>
+                      <p:childTnLst>
+                        <p:par>
+                          <p:cTn id="9" fill="hold">
+                            <p:stCondLst>
+                              <p:cond delay="0"/>
+                            </p:stCondLst>
+                            <p:childTnLst>
+                              <p:par>
+                                <p:cTn id="10" presetID="10" presetClass="entr" presetSubtype="0" fill="hold" grpId="0" nodeType="clickEffect">
+                                  <p:stCondLst>
+                                    <p:cond delay="0"/>
+                                  </p:stCondLst>
+                                  <p:childTnLst>
+                                    <p:set>
+                                      <p:cBhvr>
+                                        <p:cTn id="11" dur="1" fill="hold">
+                                          <p:stCondLst>
+                                            <p:cond delay="0"/>
+                                          </p:stCondLst>
+                                        </p:cTn>
+                                        <p:tgtEl>
+                                          <p:spTgt spid="3">
+                                            <p:txEl>
+                                              <p:pRg st="1" end="1"/>
+                                            </p:txEl>
+                                          </p:spTgt>
+                                        </p:tgtEl>
+                                        <p:attrNameLst>
+                                          <p:attrName>style.visibility</p:attrName>
+                                        </p:attrNameLst>
+                                      </p:cBhvr>
+                                      <p:to>
+                                        <p:strVal val="visible"/>
+                                      </p:to>
+                                    </p:set>
+                                    <p:animEffect transition="in" filter="fade">
+                                      <p:cBhvr>
+                                        <p:cTn id="12" dur="500"/>
+                                        <p:tgtEl>
+                                          <p:spTgt spid="3">
+                                            <p:txEl>
+                                              <p:pRg st="1" end="1"/>
+                                            </p:txEl>
+                                          </p:spTgt>
+                                        </p:tgtEl>
+                                      </p:cBhvr>
+                                    </p:animEffect>
+                                  </p:childTnLst>
+                                </p:cTn>
+                              </p:par>
+                            </p:childTnLst>
+                          </p:cTn>
+                        </p:par>
+                      </p:childTnLst>
+                    </p:cTn>
+                  </p:par>
+                </p:childTnLst>
+              </p:cTn>
+              <p:prevCondLst>
+                <p:cond evt="onPrev" delay="0">
+                  <p:tgtEl>
+                    <p:sldTgt/>
+                  </p:tgtEl>
+                </p:cond>
+              </p:prevCondLst>
+              <p:nextCondLst>
+                <p:cond evt="onNext" delay="0">
+                  <p:tgtEl>
+                    <p:sldTgt/>
+                  </p:tgtEl>
+                </p:cond>
+              </p:nextCondLst>
+            </p:seq>
+          </p:childTnLst>
+        </p:cTn>
+      </p:par>
+    </p:tnLst>
+    <p:bldLst>
+      <p:bldP spid="3" grpId="0" build="p"/>
+    </p:bldLst>
+  </p:timing>
 </p:sld>
 </file>
 
@@ -5163,6 +6747,13 @@
   <p:clrMapOvr>
     <a:masterClrMapping/>
   </p:clrMapOvr>
+  <p:timing>
+    <p:tnLst>
+      <p:par>
+        <p:cTn id="1" dur="indefinite" restart="never" nodeType="tmRoot"/>
+      </p:par>
+    </p:tnLst>
+  </p:timing>
 </p:sld>
 </file>
 
@@ -5279,6 +6870,394 @@
   <p:clrMapOvr>
     <a:masterClrMapping/>
   </p:clrMapOvr>
+  <p:timing>
+    <p:tnLst>
+      <p:par>
+        <p:cTn id="1" dur="indefinite" restart="never" nodeType="tmRoot">
+          <p:childTnLst>
+            <p:seq concurrent="1" nextAc="seek">
+              <p:cTn id="2" dur="indefinite" nodeType="mainSeq">
+                <p:childTnLst>
+                  <p:par>
+                    <p:cTn id="3" fill="hold">
+                      <p:stCondLst>
+                        <p:cond delay="indefinite"/>
+                      </p:stCondLst>
+                      <p:childTnLst>
+                        <p:par>
+                          <p:cTn id="4" fill="hold">
+                            <p:stCondLst>
+                              <p:cond delay="0"/>
+                            </p:stCondLst>
+                            <p:childTnLst>
+                              <p:par>
+                                <p:cTn id="5" presetID="10" presetClass="entr" presetSubtype="0" fill="hold" grpId="0" nodeType="clickEffect">
+                                  <p:stCondLst>
+                                    <p:cond delay="0"/>
+                                  </p:stCondLst>
+                                  <p:childTnLst>
+                                    <p:set>
+                                      <p:cBhvr>
+                                        <p:cTn id="6" dur="1" fill="hold">
+                                          <p:stCondLst>
+                                            <p:cond delay="0"/>
+                                          </p:stCondLst>
+                                        </p:cTn>
+                                        <p:tgtEl>
+                                          <p:spTgt spid="4">
+                                            <p:txEl>
+                                              <p:pRg st="0" end="0"/>
+                                            </p:txEl>
+                                          </p:spTgt>
+                                        </p:tgtEl>
+                                        <p:attrNameLst>
+                                          <p:attrName>style.visibility</p:attrName>
+                                        </p:attrNameLst>
+                                      </p:cBhvr>
+                                      <p:to>
+                                        <p:strVal val="visible"/>
+                                      </p:to>
+                                    </p:set>
+                                    <p:animEffect transition="in" filter="fade">
+                                      <p:cBhvr>
+                                        <p:cTn id="7" dur="500"/>
+                                        <p:tgtEl>
+                                          <p:spTgt spid="4">
+                                            <p:txEl>
+                                              <p:pRg st="0" end="0"/>
+                                            </p:txEl>
+                                          </p:spTgt>
+                                        </p:tgtEl>
+                                      </p:cBhvr>
+                                    </p:animEffect>
+                                  </p:childTnLst>
+                                </p:cTn>
+                              </p:par>
+                            </p:childTnLst>
+                          </p:cTn>
+                        </p:par>
+                      </p:childTnLst>
+                    </p:cTn>
+                  </p:par>
+                  <p:par>
+                    <p:cTn id="8" fill="hold">
+                      <p:stCondLst>
+                        <p:cond delay="indefinite"/>
+                      </p:stCondLst>
+                      <p:childTnLst>
+                        <p:par>
+                          <p:cTn id="9" fill="hold">
+                            <p:stCondLst>
+                              <p:cond delay="0"/>
+                            </p:stCondLst>
+                            <p:childTnLst>
+                              <p:par>
+                                <p:cTn id="10" presetID="10" presetClass="entr" presetSubtype="0" fill="hold" grpId="0" nodeType="clickEffect">
+                                  <p:stCondLst>
+                                    <p:cond delay="0"/>
+                                  </p:stCondLst>
+                                  <p:childTnLst>
+                                    <p:set>
+                                      <p:cBhvr>
+                                        <p:cTn id="11" dur="1" fill="hold">
+                                          <p:stCondLst>
+                                            <p:cond delay="0"/>
+                                          </p:stCondLst>
+                                        </p:cTn>
+                                        <p:tgtEl>
+                                          <p:spTgt spid="4">
+                                            <p:txEl>
+                                              <p:pRg st="1" end="1"/>
+                                            </p:txEl>
+                                          </p:spTgt>
+                                        </p:tgtEl>
+                                        <p:attrNameLst>
+                                          <p:attrName>style.visibility</p:attrName>
+                                        </p:attrNameLst>
+                                      </p:cBhvr>
+                                      <p:to>
+                                        <p:strVal val="visible"/>
+                                      </p:to>
+                                    </p:set>
+                                    <p:animEffect transition="in" filter="fade">
+                                      <p:cBhvr>
+                                        <p:cTn id="12" dur="500"/>
+                                        <p:tgtEl>
+                                          <p:spTgt spid="4">
+                                            <p:txEl>
+                                              <p:pRg st="1" end="1"/>
+                                            </p:txEl>
+                                          </p:spTgt>
+                                        </p:tgtEl>
+                                      </p:cBhvr>
+                                    </p:animEffect>
+                                  </p:childTnLst>
+                                </p:cTn>
+                              </p:par>
+                              <p:par>
+                                <p:cTn id="13" presetID="10" presetClass="entr" presetSubtype="0" fill="hold" grpId="0" nodeType="withEffect">
+                                  <p:stCondLst>
+                                    <p:cond delay="0"/>
+                                  </p:stCondLst>
+                                  <p:childTnLst>
+                                    <p:set>
+                                      <p:cBhvr>
+                                        <p:cTn id="14" dur="1" fill="hold">
+                                          <p:stCondLst>
+                                            <p:cond delay="0"/>
+                                          </p:stCondLst>
+                                        </p:cTn>
+                                        <p:tgtEl>
+                                          <p:spTgt spid="4">
+                                            <p:txEl>
+                                              <p:pRg st="2" end="2"/>
+                                            </p:txEl>
+                                          </p:spTgt>
+                                        </p:tgtEl>
+                                        <p:attrNameLst>
+                                          <p:attrName>style.visibility</p:attrName>
+                                        </p:attrNameLst>
+                                      </p:cBhvr>
+                                      <p:to>
+                                        <p:strVal val="visible"/>
+                                      </p:to>
+                                    </p:set>
+                                    <p:animEffect transition="in" filter="fade">
+                                      <p:cBhvr>
+                                        <p:cTn id="15" dur="500"/>
+                                        <p:tgtEl>
+                                          <p:spTgt spid="4">
+                                            <p:txEl>
+                                              <p:pRg st="2" end="2"/>
+                                            </p:txEl>
+                                          </p:spTgt>
+                                        </p:tgtEl>
+                                      </p:cBhvr>
+                                    </p:animEffect>
+                                  </p:childTnLst>
+                                </p:cTn>
+                              </p:par>
+                              <p:par>
+                                <p:cTn id="16" presetID="10" presetClass="entr" presetSubtype="0" fill="hold" grpId="0" nodeType="withEffect">
+                                  <p:stCondLst>
+                                    <p:cond delay="0"/>
+                                  </p:stCondLst>
+                                  <p:childTnLst>
+                                    <p:set>
+                                      <p:cBhvr>
+                                        <p:cTn id="17" dur="1" fill="hold">
+                                          <p:stCondLst>
+                                            <p:cond delay="0"/>
+                                          </p:stCondLst>
+                                        </p:cTn>
+                                        <p:tgtEl>
+                                          <p:spTgt spid="4">
+                                            <p:txEl>
+                                              <p:pRg st="3" end="3"/>
+                                            </p:txEl>
+                                          </p:spTgt>
+                                        </p:tgtEl>
+                                        <p:attrNameLst>
+                                          <p:attrName>style.visibility</p:attrName>
+                                        </p:attrNameLst>
+                                      </p:cBhvr>
+                                      <p:to>
+                                        <p:strVal val="visible"/>
+                                      </p:to>
+                                    </p:set>
+                                    <p:animEffect transition="in" filter="fade">
+                                      <p:cBhvr>
+                                        <p:cTn id="18" dur="500"/>
+                                        <p:tgtEl>
+                                          <p:spTgt spid="4">
+                                            <p:txEl>
+                                              <p:pRg st="3" end="3"/>
+                                            </p:txEl>
+                                          </p:spTgt>
+                                        </p:tgtEl>
+                                      </p:cBhvr>
+                                    </p:animEffect>
+                                  </p:childTnLst>
+                                </p:cTn>
+                              </p:par>
+                              <p:par>
+                                <p:cTn id="19" presetID="10" presetClass="entr" presetSubtype="0" fill="hold" grpId="0" nodeType="withEffect">
+                                  <p:stCondLst>
+                                    <p:cond delay="0"/>
+                                  </p:stCondLst>
+                                  <p:childTnLst>
+                                    <p:set>
+                                      <p:cBhvr>
+                                        <p:cTn id="20" dur="1" fill="hold">
+                                          <p:stCondLst>
+                                            <p:cond delay="0"/>
+                                          </p:stCondLst>
+                                        </p:cTn>
+                                        <p:tgtEl>
+                                          <p:spTgt spid="4">
+                                            <p:txEl>
+                                              <p:pRg st="4" end="4"/>
+                                            </p:txEl>
+                                          </p:spTgt>
+                                        </p:tgtEl>
+                                        <p:attrNameLst>
+                                          <p:attrName>style.visibility</p:attrName>
+                                        </p:attrNameLst>
+                                      </p:cBhvr>
+                                      <p:to>
+                                        <p:strVal val="visible"/>
+                                      </p:to>
+                                    </p:set>
+                                    <p:animEffect transition="in" filter="fade">
+                                      <p:cBhvr>
+                                        <p:cTn id="21" dur="500"/>
+                                        <p:tgtEl>
+                                          <p:spTgt spid="4">
+                                            <p:txEl>
+                                              <p:pRg st="4" end="4"/>
+                                            </p:txEl>
+                                          </p:spTgt>
+                                        </p:tgtEl>
+                                      </p:cBhvr>
+                                    </p:animEffect>
+                                  </p:childTnLst>
+                                </p:cTn>
+                              </p:par>
+                              <p:par>
+                                <p:cTn id="22" presetID="10" presetClass="entr" presetSubtype="0" fill="hold" grpId="0" nodeType="withEffect">
+                                  <p:stCondLst>
+                                    <p:cond delay="0"/>
+                                  </p:stCondLst>
+                                  <p:childTnLst>
+                                    <p:set>
+                                      <p:cBhvr>
+                                        <p:cTn id="23" dur="1" fill="hold">
+                                          <p:stCondLst>
+                                            <p:cond delay="0"/>
+                                          </p:stCondLst>
+                                        </p:cTn>
+                                        <p:tgtEl>
+                                          <p:spTgt spid="4">
+                                            <p:txEl>
+                                              <p:pRg st="5" end="5"/>
+                                            </p:txEl>
+                                          </p:spTgt>
+                                        </p:tgtEl>
+                                        <p:attrNameLst>
+                                          <p:attrName>style.visibility</p:attrName>
+                                        </p:attrNameLst>
+                                      </p:cBhvr>
+                                      <p:to>
+                                        <p:strVal val="visible"/>
+                                      </p:to>
+                                    </p:set>
+                                    <p:animEffect transition="in" filter="fade">
+                                      <p:cBhvr>
+                                        <p:cTn id="24" dur="500"/>
+                                        <p:tgtEl>
+                                          <p:spTgt spid="4">
+                                            <p:txEl>
+                                              <p:pRg st="5" end="5"/>
+                                            </p:txEl>
+                                          </p:spTgt>
+                                        </p:tgtEl>
+                                      </p:cBhvr>
+                                    </p:animEffect>
+                                  </p:childTnLst>
+                                </p:cTn>
+                              </p:par>
+                            </p:childTnLst>
+                          </p:cTn>
+                        </p:par>
+                      </p:childTnLst>
+                    </p:cTn>
+                  </p:par>
+                  <p:par>
+                    <p:cTn id="25" fill="hold">
+                      <p:stCondLst>
+                        <p:cond delay="indefinite"/>
+                      </p:stCondLst>
+                      <p:childTnLst>
+                        <p:par>
+                          <p:cTn id="26" fill="hold">
+                            <p:stCondLst>
+                              <p:cond delay="0"/>
+                            </p:stCondLst>
+                            <p:childTnLst>
+                              <p:par>
+                                <p:cTn id="27" presetID="10" presetClass="entr" presetSubtype="0" fill="hold" grpId="0" nodeType="clickEffect">
+                                  <p:stCondLst>
+                                    <p:cond delay="0"/>
+                                  </p:stCondLst>
+                                  <p:childTnLst>
+                                    <p:set>
+                                      <p:cBhvr>
+                                        <p:cTn id="28" dur="1" fill="hold">
+                                          <p:stCondLst>
+                                            <p:cond delay="0"/>
+                                          </p:stCondLst>
+                                        </p:cTn>
+                                        <p:tgtEl>
+                                          <p:spTgt spid="4">
+                                            <p:txEl>
+                                              <p:pRg st="6" end="6"/>
+                                            </p:txEl>
+                                          </p:spTgt>
+                                        </p:tgtEl>
+                                        <p:attrNameLst>
+                                          <p:attrName>style.visibility</p:attrName>
+                                        </p:attrNameLst>
+                                      </p:cBhvr>
+                                      <p:to>
+                                        <p:strVal val="visible"/>
+                                      </p:to>
+                                    </p:set>
+                                    <p:animEffect transition="in" filter="fade">
+                                      <p:cBhvr>
+                                        <p:cTn id="29" dur="500"/>
+                                        <p:tgtEl>
+                                          <p:spTgt spid="4">
+                                            <p:txEl>
+                                              <p:pRg st="6" end="6"/>
+                                            </p:txEl>
+                                          </p:spTgt>
+                                        </p:tgtEl>
+                                      </p:cBhvr>
+                                    </p:animEffect>
+                                  </p:childTnLst>
+                                </p:cTn>
+                              </p:par>
+                            </p:childTnLst>
+                          </p:cTn>
+                        </p:par>
+                      </p:childTnLst>
+                    </p:cTn>
+                  </p:par>
+                </p:childTnLst>
+              </p:cTn>
+              <p:prevCondLst>
+                <p:cond evt="onPrev" delay="0">
+                  <p:tgtEl>
+                    <p:sldTgt/>
+                  </p:tgtEl>
+                </p:cond>
+              </p:prevCondLst>
+              <p:nextCondLst>
+                <p:cond evt="onNext" delay="0">
+                  <p:tgtEl>
+                    <p:sldTgt/>
+                  </p:tgtEl>
+                </p:cond>
+              </p:nextCondLst>
+            </p:seq>
+          </p:childTnLst>
+        </p:cTn>
+      </p:par>
+    </p:tnLst>
+    <p:bldLst>
+      <p:bldP spid="4" grpId="0" build="p"/>
+    </p:bldLst>
+  </p:timing>
 </p:sld>
 </file>
 
